--- a/environment.pptx
+++ b/environment.pptx
@@ -4786,11 +4786,11 @@
             </a:pPr>
             <a:r>
               <a:rPr lang="en-US" sz="2200" dirty="0"/>
-              <a:t>C# distinguishes between compile-time and elaboration-time constants with the keywords const and </a:t>
-            </a:r>
-            <a:r>
-              <a:rPr lang="en-US" sz="2200" dirty="0" err="1"/>
-              <a:t>readonly</a:t>
+              <a:t>C# distinguishes between compile-time and elaboration-time constants with the keywords const </a:t>
+            </a:r>
+            <a:r>
+              <a:rPr lang="en-US" sz="2200"/>
+              <a:t>and read-only</a:t>
             </a:r>
             <a:r>
               <a:rPr lang="en-US" sz="2200" dirty="0"/>

--- a/environment.pptx
+++ b/environment.pptx
@@ -153,6 +153,11 @@
       </a:defRPr>
     </a:lvl9pPr>
   </p:defaultTextStyle>
+  <p:extLst>
+    <p:ext uri="{EFAFB233-063F-42B5-8137-9DF3F51BA10A}">
+      <p15:sldGuideLst xmlns:p15="http://schemas.microsoft.com/office/powerpoint/2012/main"/>
+    </p:ext>
+  </p:extLst>
 </p:presentation>
 </file>
 
@@ -238,7 +243,7 @@
           <a:p>
             <a:fld id="{3DDCD410-1135-1A43-BC4A-A4483F1AE565}" type="datetimeFigureOut">
               <a:rPr lang="en-US" smtClean="0"/>
-              <a:t>1/7/20</a:t>
+              <a:t>2/26/20</a:t>
             </a:fld>
             <a:endParaRPr lang="en-US"/>
           </a:p>
@@ -652,7 +657,7 @@
           <a:p>
             <a:fld id="{5AA802D9-C219-6247-A331-9290D86C7ECB}" type="datetime1">
               <a:rPr lang="en-US" smtClean="0"/>
-              <a:t>1/7/20</a:t>
+              <a:t>2/26/20</a:t>
             </a:fld>
             <a:endParaRPr lang="en-US"/>
           </a:p>
@@ -853,7 +858,7 @@
           <a:p>
             <a:fld id="{DFFD4F7A-4BEE-E04E-8FF1-88203C5CDAC9}" type="datetime1">
               <a:rPr lang="en-US" smtClean="0"/>
-              <a:t>1/7/20</a:t>
+              <a:t>2/26/20</a:t>
             </a:fld>
             <a:endParaRPr lang="en-US"/>
           </a:p>
@@ -1064,7 +1069,7 @@
           <a:p>
             <a:fld id="{5BBD2C28-C51F-E044-95E1-C588E28638F6}" type="datetime1">
               <a:rPr lang="en-US" smtClean="0"/>
-              <a:t>1/7/20</a:t>
+              <a:t>2/26/20</a:t>
             </a:fld>
             <a:endParaRPr lang="en-US"/>
           </a:p>
@@ -1265,7 +1270,7 @@
           <a:p>
             <a:fld id="{7AC11B53-E4EA-5C48-8419-E72C126F15B3}" type="datetime1">
               <a:rPr lang="en-US" smtClean="0"/>
-              <a:t>1/7/20</a:t>
+              <a:t>2/26/20</a:t>
             </a:fld>
             <a:endParaRPr lang="en-US"/>
           </a:p>
@@ -1543,7 +1548,7 @@
           <a:p>
             <a:fld id="{B01B0FF9-FCBE-544A-94C6-2BA12B0C9260}" type="datetime1">
               <a:rPr lang="en-US" smtClean="0"/>
-              <a:t>1/7/20</a:t>
+              <a:t>2/26/20</a:t>
             </a:fld>
             <a:endParaRPr lang="en-US"/>
           </a:p>
@@ -1811,7 +1816,7 @@
           <a:p>
             <a:fld id="{8B50EDB5-168C-354C-A18A-92D11A030CBA}" type="datetime1">
               <a:rPr lang="en-US" smtClean="0"/>
-              <a:t>1/7/20</a:t>
+              <a:t>2/26/20</a:t>
             </a:fld>
             <a:endParaRPr lang="en-US"/>
           </a:p>
@@ -2226,7 +2231,7 @@
           <a:p>
             <a:fld id="{6372ABC9-E912-234A-8BDA-17B86FF59656}" type="datetime1">
               <a:rPr lang="en-US" smtClean="0"/>
-              <a:t>1/7/20</a:t>
+              <a:t>2/26/20</a:t>
             </a:fld>
             <a:endParaRPr lang="en-US"/>
           </a:p>
@@ -2370,7 +2375,7 @@
           <a:p>
             <a:fld id="{3B0D2188-E9A1-6642-8E86-20A0EBB080CE}" type="datetime1">
               <a:rPr lang="en-US" smtClean="0"/>
-              <a:t>1/7/20</a:t>
+              <a:t>2/26/20</a:t>
             </a:fld>
             <a:endParaRPr lang="en-US"/>
           </a:p>
@@ -2486,7 +2491,7 @@
           <a:p>
             <a:fld id="{F7163B03-91BB-1C42-BA04-FE8D7A2B3541}" type="datetime1">
               <a:rPr lang="en-US" smtClean="0"/>
-              <a:t>1/7/20</a:t>
+              <a:t>2/26/20</a:t>
             </a:fld>
             <a:endParaRPr lang="en-US"/>
           </a:p>
@@ -2800,7 +2805,7 @@
           <a:p>
             <a:fld id="{3EEDDDEB-E34B-B74A-9190-EC00D43F25D2}" type="datetime1">
               <a:rPr lang="en-US" smtClean="0"/>
-              <a:t>1/7/20</a:t>
+              <a:t>2/26/20</a:t>
             </a:fld>
             <a:endParaRPr lang="en-US"/>
           </a:p>
@@ -3091,7 +3096,7 @@
           <a:p>
             <a:fld id="{61475C3B-F6C0-A34A-BF2E-259A0C3300A8}" type="datetime1">
               <a:rPr lang="en-US" smtClean="0"/>
-              <a:t>1/7/20</a:t>
+              <a:t>2/26/20</a:t>
             </a:fld>
             <a:endParaRPr lang="en-US"/>
           </a:p>
@@ -3335,7 +3340,7 @@
           <a:p>
             <a:fld id="{4DE4DFB1-B975-BB4C-8839-29A105CEBE0D}" type="datetime1">
               <a:rPr lang="en-US" smtClean="0"/>
-              <a:t>1/7/20</a:t>
+              <a:t>2/26/20</a:t>
             </a:fld>
             <a:endParaRPr lang="en-US"/>
           </a:p>
@@ -26775,7 +26780,7 @@
             <a:pPr lvl="1"/>
             <a:r>
               <a:rPr lang="en-US" dirty="0"/>
-              <a:t>Particularly useful in loop-based coded (hotpots in programs)</a:t>
+              <a:t>Particularly useful in loop-based coded (hotspots in programs)</a:t>
             </a:r>
           </a:p>
           <a:p>
@@ -26973,13 +26978,8 @@
           <a:p>
             <a:r>
               <a:rPr lang="en-US" dirty="0"/>
-              <a:t>Deactivation and reactivation of bindings that may be temporarily </a:t>
-            </a:r>
-            <a:r>
-              <a:rPr lang="en-US" dirty="0" err="1"/>
-              <a:t>unususable</a:t>
-            </a:r>
-            <a:endParaRPr lang="en-US" dirty="0"/>
+              <a:t>Deactivation and reactivation of bindings that may be temporarily unusable</a:t>
+            </a:r>
           </a:p>
           <a:p>
             <a:r>
